--- a/CP2/CP2_deck.pptx
+++ b/CP2/CP2_deck.pptx
@@ -129,7 +129,7 @@
   </p:defaultTextStyle>
   <p:extLst>
     <p:ext uri="{EFAFB233-063F-42B5-8137-9DF3F51BA10A}">
-      <p15:sldGuideLst xmlns:p15="http://schemas.microsoft.com/office/powerpoint/2012/main" xmlns="">
+      <p15:sldGuideLst xmlns="" xmlns:p15="http://schemas.microsoft.com/office/powerpoint/2012/main">
         <p15:guide id="1" orient="horz" pos="2160">
           <p15:clr>
             <a:srgbClr val="A4A3A4"/>
@@ -195,7 +195,7 @@
             </a:lvl1pPr>
           </a:lstStyle>
           <a:p>
-            <a:endParaRPr lang="en-US"/>
+            <a:endParaRPr lang="en-US" dirty="0"/>
           </a:p>
         </p:txBody>
       </p:sp>
@@ -230,7 +230,7 @@
               <a:rPr lang="en-US" smtClean="0"/>
               <a:t>11/8/17</a:t>
             </a:fld>
-            <a:endParaRPr lang="en-US"/>
+            <a:endParaRPr lang="en-US" dirty="0"/>
           </a:p>
         </p:txBody>
       </p:sp>
@@ -261,7 +261,7 @@
             </a:lvl1pPr>
           </a:lstStyle>
           <a:p>
-            <a:endParaRPr lang="en-US"/>
+            <a:endParaRPr lang="en-US" dirty="0"/>
           </a:p>
         </p:txBody>
       </p:sp>
@@ -296,7 +296,7 @@
               <a:rPr lang="en-US" smtClean="0"/>
               <a:t>‹#›</a:t>
             </a:fld>
-            <a:endParaRPr lang="en-US"/>
+            <a:endParaRPr lang="en-US" dirty="0"/>
           </a:p>
         </p:txBody>
       </p:sp>
@@ -361,7 +361,7 @@
             </a:lvl1pPr>
           </a:lstStyle>
           <a:p>
-            <a:endParaRPr lang="en-US"/>
+            <a:endParaRPr lang="en-US" dirty="0"/>
           </a:p>
         </p:txBody>
       </p:sp>
@@ -396,7 +396,7 @@
               <a:rPr lang="en-US" smtClean="0"/>
               <a:t>11/8/17</a:t>
             </a:fld>
-            <a:endParaRPr lang="en-US"/>
+            <a:endParaRPr lang="en-US" dirty="0"/>
           </a:p>
         </p:txBody>
       </p:sp>
@@ -429,7 +429,7 @@
           <a:bodyPr vert="horz" lIns="91440" tIns="45720" rIns="91440" bIns="45720" rtlCol="0" anchor="ctr"/>
           <a:lstStyle/>
           <a:p>
-            <a:endParaRPr lang="en-US"/>
+            <a:endParaRPr lang="en-US" dirty="0"/>
           </a:p>
         </p:txBody>
       </p:sp>
@@ -520,7 +520,7 @@
             </a:lvl1pPr>
           </a:lstStyle>
           <a:p>
-            <a:endParaRPr lang="en-US"/>
+            <a:endParaRPr lang="en-US" dirty="0"/>
           </a:p>
         </p:txBody>
       </p:sp>
@@ -555,7 +555,7 @@
               <a:rPr lang="en-US" smtClean="0"/>
               <a:t>‹#›</a:t>
             </a:fld>
-            <a:endParaRPr lang="en-US"/>
+            <a:endParaRPr lang="en-US" dirty="0"/>
           </a:p>
         </p:txBody>
       </p:sp>
@@ -5768,7 +5768,7 @@
         <p:spPr>
           <a:xfrm>
             <a:off x="822960" y="1100628"/>
-            <a:ext cx="7520940" cy="3579849"/>
+            <a:ext cx="7520940" cy="3978838"/>
           </a:xfrm>
         </p:spPr>
         <p:txBody>
@@ -5783,15 +5783,7 @@
             </a:pPr>
             <a:r>
               <a:rPr lang="en-US" sz="2400" dirty="0" smtClean="0"/>
-              <a:t>“</a:t>
-            </a:r>
-            <a:r>
-              <a:rPr lang="en-US" sz="2400" dirty="0" err="1" smtClean="0"/>
-              <a:t>adam</a:t>
-            </a:r>
-            <a:r>
-              <a:rPr lang="en-US" sz="2400" dirty="0" smtClean="0"/>
-              <a:t>” solver to balance computational demand and advanced weighting </a:t>
+              <a:t>“adam” solver to balance computational demand and advanced weighting </a:t>
             </a:r>
           </a:p>
           <a:p>
@@ -5849,8 +5841,29 @@
             </a:pPr>
             <a:r>
               <a:rPr lang="en-US" sz="2400" dirty="0" smtClean="0"/>
-              <a:t>Input layer (784), hidden layer, output layer (10)</a:t>
-            </a:r>
+              <a:t>Input layer (</a:t>
+            </a:r>
+            <a:r>
+              <a:rPr lang="en-US" sz="2400" dirty="0" smtClean="0"/>
+              <a:t>784 units)</a:t>
+            </a:r>
+            <a:r>
+              <a:rPr lang="en-US" sz="2400" dirty="0" smtClean="0"/>
+              <a:t>, hidden </a:t>
+            </a:r>
+            <a:r>
+              <a:rPr lang="en-US" sz="2400" dirty="0" smtClean="0"/>
+              <a:t>layer (default 100 units), </a:t>
+            </a:r>
+            <a:r>
+              <a:rPr lang="en-US" sz="2400" dirty="0" smtClean="0"/>
+              <a:t>output layer (</a:t>
+            </a:r>
+            <a:r>
+              <a:rPr lang="en-US" sz="2400" dirty="0" smtClean="0"/>
+              <a:t>10 units)</a:t>
+            </a:r>
+            <a:endParaRPr lang="en-US" sz="2400" dirty="0" smtClean="0"/>
           </a:p>
           <a:p>
             <a:pPr lvl="2">
@@ -6191,7 +6204,11 @@
             <a:pPr algn="ctr"/>
             <a:r>
               <a:rPr lang="en-US" dirty="0" smtClean="0"/>
-              <a:t>Neural network</a:t>
+              <a:t>Neural </a:t>
+            </a:r>
+            <a:r>
+              <a:rPr lang="en-US" dirty="0" smtClean="0"/>
+              <a:t>network: heat map</a:t>
             </a:r>
             <a:endParaRPr lang="en-US" dirty="0"/>
           </a:p>
@@ -6362,7 +6379,7 @@
       </p:sp>
       <p:pic>
         <p:nvPicPr>
-          <p:cNvPr id="6" name="Picture 5" descr="Screen Shot 2017-11-08 at 10.30.41 PM.png"/>
+          <p:cNvPr id="5" name="Picture 4" descr="Screen Shot 2017-11-09 at 8.42.12 AM.png"/>
           <p:cNvPicPr>
             <a:picLocks noChangeAspect="1"/>
           </p:cNvPicPr>
@@ -6382,8 +6399,8 @@
         </p:blipFill>
         <p:spPr>
           <a:xfrm>
-            <a:off x="546668" y="2066305"/>
-            <a:ext cx="8070838" cy="2159000"/>
+            <a:off x="822960" y="2336333"/>
+            <a:ext cx="7594288" cy="2108200"/>
           </a:xfrm>
           <a:prstGeom prst="rect">
             <a:avLst/>
@@ -6481,7 +6498,7 @@
         <p:spPr/>
         <p:txBody>
           <a:bodyPr>
-            <a:normAutofit/>
+            <a:normAutofit lnSpcReduction="10000"/>
           </a:bodyPr>
           <a:lstStyle/>
           <a:p>
@@ -6491,8 +6508,13 @@
             </a:pPr>
             <a:r>
               <a:rPr lang="en-US" sz="2400" dirty="0" smtClean="0"/>
-              <a:t>Range of potential clients</a:t>
-            </a:r>
+              <a:t>Range of potential </a:t>
+            </a:r>
+            <a:r>
+              <a:rPr lang="en-US" sz="2400" dirty="0" smtClean="0"/>
+              <a:t>clients, including banks and medical facilities</a:t>
+            </a:r>
+            <a:endParaRPr lang="en-US" sz="2400" dirty="0" smtClean="0"/>
           </a:p>
           <a:p>
             <a:pPr marL="0" indent="0"/>
@@ -6625,119 +6647,7 @@
             </a:r>
             <a:r>
               <a:rPr lang="en-US" sz="2000" dirty="0"/>
-              <a:t>. </a:t>
-            </a:r>
-            <a:r>
-              <a:rPr lang="en-US" sz="2000" dirty="0" err="1"/>
-              <a:t>Pedregosa</a:t>
-            </a:r>
-            <a:r>
-              <a:rPr lang="en-US" sz="2000" dirty="0"/>
-              <a:t>, G. </a:t>
-            </a:r>
-            <a:r>
-              <a:rPr lang="en-US" sz="2000" dirty="0" err="1"/>
-              <a:t>Varoquaux</a:t>
-            </a:r>
-            <a:r>
-              <a:rPr lang="en-US" sz="2000" dirty="0"/>
-              <a:t>, A. </a:t>
-            </a:r>
-            <a:r>
-              <a:rPr lang="en-US" sz="2000" dirty="0" err="1"/>
-              <a:t>Gramfort</a:t>
-            </a:r>
-            <a:r>
-              <a:rPr lang="en-US" sz="2000" dirty="0"/>
-              <a:t>, V. Michel, B. </a:t>
-            </a:r>
-            <a:r>
-              <a:rPr lang="en-US" sz="2000" dirty="0" err="1"/>
-              <a:t>Thirion</a:t>
-            </a:r>
-            <a:r>
-              <a:rPr lang="en-US" sz="2000" dirty="0"/>
-              <a:t>, O. </a:t>
-            </a:r>
-            <a:r>
-              <a:rPr lang="en-US" sz="2000" dirty="0" err="1"/>
-              <a:t>Grisel</a:t>
-            </a:r>
-            <a:r>
-              <a:rPr lang="en-US" sz="2000" dirty="0"/>
-              <a:t>, M. </a:t>
-            </a:r>
-            <a:r>
-              <a:rPr lang="en-US" sz="2000" dirty="0" err="1"/>
-              <a:t>Blondel</a:t>
-            </a:r>
-            <a:r>
-              <a:rPr lang="en-US" sz="2000" dirty="0"/>
-              <a:t>, P. </a:t>
-            </a:r>
-            <a:r>
-              <a:rPr lang="en-US" sz="2000" dirty="0" err="1"/>
-              <a:t>Prettenhofer</a:t>
-            </a:r>
-            <a:r>
-              <a:rPr lang="en-US" sz="2000" dirty="0"/>
-              <a:t>, R. Weiss, V. </a:t>
-            </a:r>
-            <a:r>
-              <a:rPr lang="en-US" sz="2000" dirty="0" err="1"/>
-              <a:t>Dubourg</a:t>
-            </a:r>
-            <a:r>
-              <a:rPr lang="en-US" sz="2000" dirty="0"/>
-              <a:t>, J. </a:t>
-            </a:r>
-            <a:r>
-              <a:rPr lang="en-US" sz="2000" dirty="0" err="1"/>
-              <a:t>Vanderplas</a:t>
-            </a:r>
-            <a:r>
-              <a:rPr lang="en-US" sz="2000" dirty="0"/>
-              <a:t>, A. </a:t>
-            </a:r>
-            <a:r>
-              <a:rPr lang="en-US" sz="2000" dirty="0" err="1"/>
-              <a:t>Passos</a:t>
-            </a:r>
-            <a:r>
-              <a:rPr lang="en-US" sz="2000" dirty="0"/>
-              <a:t>, D. </a:t>
-            </a:r>
-            <a:r>
-              <a:rPr lang="en-US" sz="2000" dirty="0" err="1"/>
-              <a:t>Cournapeau</a:t>
-            </a:r>
-            <a:r>
-              <a:rPr lang="en-US" sz="2000" dirty="0"/>
-              <a:t>, M. </a:t>
-            </a:r>
-            <a:r>
-              <a:rPr lang="en-US" sz="2000" dirty="0" err="1"/>
-              <a:t>Brucher</a:t>
-            </a:r>
-            <a:r>
-              <a:rPr lang="en-US" sz="2000" dirty="0"/>
-              <a:t>, M. Perrot, and E. </a:t>
-            </a:r>
-            <a:r>
-              <a:rPr lang="en-US" sz="2000" dirty="0" err="1"/>
-              <a:t>Duchesnay</a:t>
-            </a:r>
-            <a:r>
-              <a:rPr lang="en-US" sz="2000" dirty="0"/>
-              <a:t>. “</a:t>
-            </a:r>
-            <a:r>
-              <a:rPr lang="en-US" sz="2000" dirty="0" err="1"/>
-              <a:t>Scikit</a:t>
-            </a:r>
-            <a:r>
-              <a:rPr lang="en-US" sz="2000" dirty="0"/>
-              <a:t>-learn: Machine Learning in Python.” Journal of Machine Learning Research, vol. 12, pages 2825-2830, 2011. </a:t>
+              <a:t>. Pedregosa, G. Varoquaux, A. Gramfort, V. Michel, B. Thirion, O. Grisel, M. Blondel, P. Prettenhofer, R. Weiss, V. Dubourg, J. Vanderplas, A. Passos, D. Cournapeau, M. Brucher, M. Perrot, and E. Duchesnay. “Scikit-learn: Machine Learning in Python.” Journal of Machine Learning Research, vol. 12, pages 2825-2830, 2011. </a:t>
             </a:r>
           </a:p>
           <a:p>
@@ -6750,47 +6660,11 @@
             </a:pPr>
             <a:r>
               <a:rPr lang="en-US" sz="2000" dirty="0" smtClean="0"/>
-              <a:t>“MNIST for ML Beginners,” </a:t>
-            </a:r>
-            <a:r>
-              <a:rPr lang="en-US" sz="2000" dirty="0" err="1" smtClean="0"/>
-              <a:t>Tensorflow.org</a:t>
+              <a:t>“MNIST for ML Beginners,” Tensorflow.org</a:t>
             </a:r>
             <a:r>
               <a:rPr lang="en-US" sz="2000" dirty="0"/>
-              <a:t>. &lt;https://</a:t>
-            </a:r>
-            <a:r>
-              <a:rPr lang="en-US" sz="2000" dirty="0" err="1"/>
-              <a:t>www.tensorflow.org</a:t>
-            </a:r>
-            <a:r>
-              <a:rPr lang="en-US" sz="2000" dirty="0"/>
-              <a:t>/</a:t>
-            </a:r>
-            <a:r>
-              <a:rPr lang="en-US" sz="2000" dirty="0" err="1"/>
-              <a:t>get_started</a:t>
-            </a:r>
-            <a:r>
-              <a:rPr lang="en-US" sz="2000" dirty="0"/>
-              <a:t>/</a:t>
-            </a:r>
-            <a:r>
-              <a:rPr lang="en-US" sz="2000" dirty="0" err="1"/>
-              <a:t>mnist</a:t>
-            </a:r>
-            <a:r>
-              <a:rPr lang="en-US" sz="2000" dirty="0"/>
-              <a:t>/</a:t>
-            </a:r>
-            <a:r>
-              <a:rPr lang="en-US" sz="2000" dirty="0" err="1"/>
-              <a:t>beginners#about_this_tutorial</a:t>
-            </a:r>
-            <a:r>
-              <a:rPr lang="en-US" sz="2000" dirty="0"/>
-              <a:t>&gt;</a:t>
+              <a:t>. &lt;https://www.tensorflow.org/get_started/mnist/beginners#about_this_tutorial&gt;</a:t>
             </a:r>
             <a:r>
               <a:rPr lang="en-US" sz="2000" dirty="0" smtClean="0"/>
@@ -6906,11 +6780,7 @@
             </a:r>
             <a:r>
               <a:rPr lang="en-US" sz="2400" dirty="0" smtClean="0"/>
-              <a:t>algorithm best classifies handwritten digits: logistic regression, random forests, or neural networks</a:t>
-            </a:r>
-            <a:r>
-              <a:rPr lang="en-US" sz="2400" dirty="0" smtClean="0"/>
-              <a:t>? </a:t>
+              <a:t>algorithm best classifies handwritten digits: logistic regression, random forests, or neural networks? </a:t>
             </a:r>
             <a:endParaRPr lang="en-US" sz="2400" dirty="0"/>
           </a:p>
@@ -7077,23 +6947,7 @@
             </a:pPr>
             <a:r>
               <a:rPr lang="en-US" sz="2400" dirty="0" smtClean="0"/>
-              <a:t> Accessed through </a:t>
-            </a:r>
-            <a:r>
-              <a:rPr lang="en-US" sz="2400" dirty="0" err="1" smtClean="0"/>
-              <a:t>fetch_mldata</a:t>
-            </a:r>
-            <a:r>
-              <a:rPr lang="en-US" sz="2400" dirty="0" smtClean="0"/>
-              <a:t> in </a:t>
-            </a:r>
-            <a:r>
-              <a:rPr lang="en-US" sz="2400" dirty="0" err="1" smtClean="0"/>
-              <a:t>sklearn.datasets</a:t>
-            </a:r>
-            <a:r>
-              <a:rPr lang="en-US" sz="2400" dirty="0" smtClean="0"/>
-              <a:t> library in Python</a:t>
+              <a:t> Accessed through fetch_mldata in sklearn.datasets library in Python</a:t>
             </a:r>
           </a:p>
           <a:p>
@@ -7373,15 +7227,7 @@
             </a:pPr>
             <a:r>
               <a:rPr lang="en-US" sz="2400" dirty="0" smtClean="0"/>
-              <a:t>Baseline algorithm </a:t>
-            </a:r>
-            <a:r>
-              <a:rPr lang="en-US" sz="2400" dirty="0" smtClean="0"/>
-              <a:t>for comparisons in solving multinomial classification </a:t>
-            </a:r>
-            <a:r>
-              <a:rPr lang="en-US" sz="2400" dirty="0" smtClean="0"/>
-              <a:t>problems</a:t>
+              <a:t>Baseline algorithm for comparisons in solving multinomial classification problems</a:t>
             </a:r>
             <a:endParaRPr lang="en-US" sz="2400" dirty="0"/>
           </a:p>
@@ -7396,13 +7242,12 @@
             </a:pPr>
             <a:r>
               <a:rPr lang="en-US" sz="2400" dirty="0" smtClean="0"/>
-              <a:t>Base model, then tuned regularization parameters to control </a:t>
-            </a:r>
-            <a:r>
-              <a:rPr lang="en-US" sz="2400" dirty="0" err="1" smtClean="0"/>
-              <a:t>overfitting</a:t>
-            </a:r>
-            <a:endParaRPr lang="en-US" sz="2400" dirty="0" smtClean="0"/>
+              <a:t>Created base </a:t>
+            </a:r>
+            <a:r>
+              <a:rPr lang="en-US" sz="2400" dirty="0" smtClean="0"/>
+              <a:t>model, then tuned regularization parameters to control overfitting</a:t>
+            </a:r>
           </a:p>
           <a:p>
             <a:pPr lvl="2">
@@ -7421,7 +7266,11 @@
             </a:pPr>
             <a:r>
               <a:rPr lang="en-US" sz="2400" dirty="0" smtClean="0"/>
-              <a:t>Tolerance to expedite computation</a:t>
+              <a:t>Tolerance adjusted </a:t>
+            </a:r>
+            <a:r>
+              <a:rPr lang="en-US" sz="2400" dirty="0" smtClean="0"/>
+              <a:t>to expedite computation</a:t>
             </a:r>
             <a:endParaRPr lang="en-US" sz="2400" dirty="0"/>
           </a:p>

--- a/CP2/CP2_deck.pptx
+++ b/CP2/CP2_deck.pptx
@@ -129,7 +129,7 @@
   </p:defaultTextStyle>
   <p:extLst>
     <p:ext uri="{EFAFB233-063F-42B5-8137-9DF3F51BA10A}">
-      <p15:sldGuideLst xmlns="" xmlns:p15="http://schemas.microsoft.com/office/powerpoint/2012/main">
+      <p15:sldGuideLst xmlns:p15="http://schemas.microsoft.com/office/powerpoint/2012/main" xmlns="">
         <p15:guide id="1" orient="horz" pos="2160">
           <p15:clr>
             <a:srgbClr val="A4A3A4"/>
@@ -228,7 +228,7 @@
           <a:p>
             <a:fld id="{B95983EA-983F-904F-83DD-974C6F7583DD}" type="datetimeFigureOut">
               <a:rPr lang="en-US" smtClean="0"/>
-              <a:t>11/8/17</a:t>
+              <a:t>11/17/17</a:t>
             </a:fld>
             <a:endParaRPr lang="en-US" dirty="0"/>
           </a:p>
@@ -394,7 +394,7 @@
           <a:p>
             <a:fld id="{D7575A28-C723-284E-AA52-8335EFAFF39B}" type="datetimeFigureOut">
               <a:rPr lang="en-US" smtClean="0"/>
-              <a:t>11/8/17</a:t>
+              <a:t>11/17/17</a:t>
             </a:fld>
             <a:endParaRPr lang="en-US" dirty="0"/>
           </a:p>
@@ -1131,7 +1131,7 @@
           <a:p>
             <a:fld id="{44D51437-4112-A249-A00E-EA57547645CF}" type="datetime4">
               <a:rPr lang="en-US" smtClean="0"/>
-              <a:t>November 8, 2017</a:t>
+              <a:t>November 17, 2017</a:t>
             </a:fld>
             <a:endParaRPr lang="en-US" dirty="0"/>
           </a:p>
@@ -1295,7 +1295,7 @@
           <a:p>
             <a:fld id="{B7C83C30-3E8E-584E-9421-C65822A6F497}" type="datetime4">
               <a:rPr lang="en-US" smtClean="0"/>
-              <a:t>November 8, 2017</a:t>
+              <a:t>November 17, 2017</a:t>
             </a:fld>
             <a:endParaRPr lang="en-US" dirty="0"/>
           </a:p>
@@ -1470,7 +1470,7 @@
           <a:p>
             <a:fld id="{2CE5FF52-2F48-A241-A371-E854A4247CAD}" type="datetime4">
               <a:rPr lang="en-US" smtClean="0"/>
-              <a:t>November 8, 2017</a:t>
+              <a:t>November 17, 2017</a:t>
             </a:fld>
             <a:endParaRPr lang="en-US" dirty="0"/>
           </a:p>
@@ -1635,7 +1635,7 @@
           <a:p>
             <a:fld id="{09E13A11-5CA4-0741-B58E-3B20191AF4EE}" type="datetime4">
               <a:rPr lang="en-US" smtClean="0"/>
-              <a:t>November 8, 2017</a:t>
+              <a:t>November 17, 2017</a:t>
             </a:fld>
             <a:endParaRPr lang="en-US" dirty="0"/>
           </a:p>
@@ -2189,7 +2189,7 @@
           <a:p>
             <a:fld id="{53D8DDA2-7E91-D145-8B0D-E06679982622}" type="datetime4">
               <a:rPr lang="en-US" smtClean="0"/>
-              <a:t>November 8, 2017</a:t>
+              <a:t>November 17, 2017</a:t>
             </a:fld>
             <a:endParaRPr lang="en-US" dirty="0"/>
           </a:p>
@@ -2450,7 +2450,7 @@
           <a:p>
             <a:fld id="{A7412871-B456-6748-AA0E-B31450319AA8}" type="datetime4">
               <a:rPr lang="en-US" smtClean="0"/>
-              <a:t>November 8, 2017</a:t>
+              <a:t>November 17, 2017</a:t>
             </a:fld>
             <a:endParaRPr lang="en-US" dirty="0"/>
           </a:p>
@@ -2937,7 +2937,7 @@
           <a:p>
             <a:fld id="{2062E030-E80F-FE4F-B834-FD74F0652C36}" type="datetime4">
               <a:rPr lang="en-US" smtClean="0"/>
-              <a:t>November 8, 2017</a:t>
+              <a:t>November 17, 2017</a:t>
             </a:fld>
             <a:endParaRPr lang="en-US" dirty="0"/>
           </a:p>
@@ -3050,7 +3050,7 @@
           <a:p>
             <a:fld id="{12AB333E-2F3C-ED46-90F6-113FB1EC5773}" type="datetime4">
               <a:rPr lang="en-US" smtClean="0"/>
-              <a:t>November 8, 2017</a:t>
+              <a:t>November 17, 2017</a:t>
             </a:fld>
             <a:endParaRPr lang="en-US" dirty="0"/>
           </a:p>
@@ -3141,7 +3141,7 @@
           <a:p>
             <a:fld id="{7C736400-4D78-1D47-A6F1-333FBACA4314}" type="datetime4">
               <a:rPr lang="en-US" smtClean="0"/>
-              <a:t>November 8, 2017</a:t>
+              <a:t>November 17, 2017</a:t>
             </a:fld>
             <a:endParaRPr lang="en-US" dirty="0"/>
           </a:p>
@@ -3572,7 +3572,7 @@
           <a:p>
             <a:fld id="{D82C8B98-0744-1D4C-8D42-93EFFAB4A171}" type="datetime4">
               <a:rPr lang="en-US" smtClean="0"/>
-              <a:t>November 8, 2017</a:t>
+              <a:t>November 17, 2017</a:t>
             </a:fld>
             <a:endParaRPr lang="en-US" dirty="0"/>
           </a:p>
@@ -4105,7 +4105,7 @@
           <a:p>
             <a:fld id="{34FC1E88-744D-8E4B-A2D7-34F711E68353}" type="datetime4">
               <a:rPr lang="en-US" smtClean="0"/>
-              <a:t>November 8, 2017</a:t>
+              <a:t>November 17, 2017</a:t>
             </a:fld>
             <a:endParaRPr lang="en-US" dirty="0"/>
           </a:p>
@@ -4952,7 +4952,7 @@
           <a:p>
             <a:fld id="{8012553C-9623-FF42-8D0B-26245A150A2D}" type="datetime4">
               <a:rPr lang="en-US" smtClean="0"/>
-              <a:t>November 8, 2017</a:t>
+              <a:t>November 17, 2017</a:t>
             </a:fld>
             <a:endParaRPr lang="en-US" dirty="0"/>
           </a:p>
@@ -5841,29 +5841,8 @@
             </a:pPr>
             <a:r>
               <a:rPr lang="en-US" sz="2400" dirty="0" smtClean="0"/>
-              <a:t>Input layer (</a:t>
-            </a:r>
-            <a:r>
-              <a:rPr lang="en-US" sz="2400" dirty="0" smtClean="0"/>
-              <a:t>784 units)</a:t>
-            </a:r>
-            <a:r>
-              <a:rPr lang="en-US" sz="2400" dirty="0" smtClean="0"/>
-              <a:t>, hidden </a:t>
-            </a:r>
-            <a:r>
-              <a:rPr lang="en-US" sz="2400" dirty="0" smtClean="0"/>
-              <a:t>layer (default 100 units), </a:t>
-            </a:r>
-            <a:r>
-              <a:rPr lang="en-US" sz="2400" dirty="0" smtClean="0"/>
-              <a:t>output layer (</a:t>
-            </a:r>
-            <a:r>
-              <a:rPr lang="en-US" sz="2400" dirty="0" smtClean="0"/>
-              <a:t>10 units)</a:t>
-            </a:r>
-            <a:endParaRPr lang="en-US" sz="2400" dirty="0" smtClean="0"/>
+              <a:t>Input layer (784 units), hidden layer (default 100 units), output layer (10 units)</a:t>
+            </a:r>
           </a:p>
           <a:p>
             <a:pPr lvl="2">
@@ -6204,11 +6183,7 @@
             <a:pPr algn="ctr"/>
             <a:r>
               <a:rPr lang="en-US" dirty="0" smtClean="0"/>
-              <a:t>Neural </a:t>
-            </a:r>
-            <a:r>
-              <a:rPr lang="en-US" dirty="0" smtClean="0"/>
-              <a:t>network: heat map</a:t>
+              <a:t>Neural network: heat map</a:t>
             </a:r>
             <a:endParaRPr lang="en-US" dirty="0"/>
           </a:p>
@@ -6335,12 +6310,12 @@
         <p:spPr>
           <a:xfrm>
             <a:off x="822960" y="1100628"/>
-            <a:ext cx="7520940" cy="486705"/>
+            <a:ext cx="7520940" cy="899470"/>
           </a:xfrm>
         </p:spPr>
         <p:txBody>
           <a:bodyPr>
-            <a:normAutofit/>
+            <a:normAutofit fontScale="92500" lnSpcReduction="10000"/>
           </a:bodyPr>
           <a:lstStyle/>
           <a:p>
@@ -6348,6 +6323,14 @@
             <a:r>
               <a:rPr lang="en-US" sz="2000" dirty="0" smtClean="0"/>
               <a:t>Neural network performs best among the three models. </a:t>
+            </a:r>
+            <a:r>
+              <a:rPr lang="en-US" sz="2000" dirty="0"/>
+              <a:t>(The first digit in each cell represents training performance; the second captures test performance.</a:t>
+            </a:r>
+            <a:r>
+              <a:rPr lang="en-US" sz="2000" dirty="0" smtClean="0"/>
+              <a:t>)</a:t>
             </a:r>
             <a:endParaRPr lang="en-US" sz="2000" dirty="0"/>
           </a:p>
@@ -6407,6 +6390,32 @@
           </a:prstGeom>
         </p:spPr>
       </p:pic>
+      <p:sp>
+        <p:nvSpPr>
+          <p:cNvPr id="6" name="TextBox 5"/>
+          <p:cNvSpPr txBox="1"/>
+          <p:nvPr/>
+        </p:nvSpPr>
+        <p:spPr>
+          <a:xfrm>
+            <a:off x="7649501" y="1343131"/>
+            <a:ext cx="184666" cy="369332"/>
+          </a:xfrm>
+          <a:prstGeom prst="rect">
+            <a:avLst/>
+          </a:prstGeom>
+          <a:noFill/>
+        </p:spPr>
+        <p:txBody>
+          <a:bodyPr wrap="none" rtlCol="0">
+            <a:spAutoFit/>
+          </a:bodyPr>
+          <a:lstStyle/>
+          <a:p>
+            <a:endParaRPr lang="en-US" dirty="0"/>
+          </a:p>
+        </p:txBody>
+      </p:sp>
     </p:spTree>
     <p:extLst>
       <p:ext uri="{BB962C8B-B14F-4D97-AF65-F5344CB8AC3E}">
@@ -6508,13 +6517,8 @@
             </a:pPr>
             <a:r>
               <a:rPr lang="en-US" sz="2400" dirty="0" smtClean="0"/>
-              <a:t>Range of potential </a:t>
-            </a:r>
-            <a:r>
-              <a:rPr lang="en-US" sz="2400" dirty="0" smtClean="0"/>
-              <a:t>clients, including banks and medical facilities</a:t>
-            </a:r>
-            <a:endParaRPr lang="en-US" sz="2400" dirty="0" smtClean="0"/>
+              <a:t>Range of potential clients, including banks and medical facilities</a:t>
+            </a:r>
           </a:p>
           <a:p>
             <a:pPr marL="0" indent="0"/>
@@ -7242,11 +7246,7 @@
             </a:pPr>
             <a:r>
               <a:rPr lang="en-US" sz="2400" dirty="0" smtClean="0"/>
-              <a:t>Created base </a:t>
-            </a:r>
-            <a:r>
-              <a:rPr lang="en-US" sz="2400" dirty="0" smtClean="0"/>
-              <a:t>model, then tuned regularization parameters to control overfitting</a:t>
+              <a:t>Created base model, then tuned regularization parameters to control overfitting</a:t>
             </a:r>
           </a:p>
           <a:p>
@@ -7266,11 +7266,7 @@
             </a:pPr>
             <a:r>
               <a:rPr lang="en-US" sz="2400" dirty="0" smtClean="0"/>
-              <a:t>Tolerance adjusted </a:t>
-            </a:r>
-            <a:r>
-              <a:rPr lang="en-US" sz="2400" dirty="0" smtClean="0"/>
-              <a:t>to expedite computation</a:t>
+              <a:t>Tolerance adjusted to expedite computation</a:t>
             </a:r>
             <a:endParaRPr lang="en-US" sz="2400" dirty="0"/>
           </a:p>
